--- a/Final_Project.pptx
+++ b/Final_Project.pptx
@@ -229,7 +229,7 @@
           <a:p>
             <a:fld id="{760F5603-F63B-4E28-9867-CE264262F721}" type="datetimeFigureOut">
               <a:rPr lang="zh-TW" altLang="en-US" smtClean="0"/>
-              <a:t>2023/6/8</a:t>
+              <a:t>2023/6/9</a:t>
             </a:fld>
             <a:endParaRPr lang="zh-TW" altLang="en-US"/>
           </a:p>
@@ -1194,7 +1194,7 @@
           <a:p>
             <a:fld id="{9275EF9D-446A-4BA9-9A8F-8795C824CFA3}" type="datetimeFigureOut">
               <a:rPr lang="zh-TW" altLang="en-US" smtClean="0"/>
-              <a:t>2023/6/8</a:t>
+              <a:t>2023/6/9</a:t>
             </a:fld>
             <a:endParaRPr lang="zh-TW" altLang="en-US"/>
           </a:p>
@@ -1362,7 +1362,7 @@
           <a:p>
             <a:fld id="{9275EF9D-446A-4BA9-9A8F-8795C824CFA3}" type="datetimeFigureOut">
               <a:rPr lang="zh-TW" altLang="en-US" smtClean="0"/>
-              <a:t>2023/6/8</a:t>
+              <a:t>2023/6/9</a:t>
             </a:fld>
             <a:endParaRPr lang="zh-TW" altLang="en-US"/>
           </a:p>
@@ -1540,7 +1540,7 @@
           <a:p>
             <a:fld id="{9275EF9D-446A-4BA9-9A8F-8795C824CFA3}" type="datetimeFigureOut">
               <a:rPr lang="zh-TW" altLang="en-US" smtClean="0"/>
-              <a:t>2023/6/8</a:t>
+              <a:t>2023/6/9</a:t>
             </a:fld>
             <a:endParaRPr lang="zh-TW" altLang="en-US"/>
           </a:p>
@@ -1708,7 +1708,7 @@
           <a:p>
             <a:fld id="{9275EF9D-446A-4BA9-9A8F-8795C824CFA3}" type="datetimeFigureOut">
               <a:rPr lang="zh-TW" altLang="en-US" smtClean="0"/>
-              <a:t>2023/6/8</a:t>
+              <a:t>2023/6/9</a:t>
             </a:fld>
             <a:endParaRPr lang="zh-TW" altLang="en-US"/>
           </a:p>
@@ -1953,7 +1953,7 @@
           <a:p>
             <a:fld id="{9275EF9D-446A-4BA9-9A8F-8795C824CFA3}" type="datetimeFigureOut">
               <a:rPr lang="zh-TW" altLang="en-US" smtClean="0"/>
-              <a:t>2023/6/8</a:t>
+              <a:t>2023/6/9</a:t>
             </a:fld>
             <a:endParaRPr lang="zh-TW" altLang="en-US"/>
           </a:p>
@@ -2182,7 +2182,7 @@
           <a:p>
             <a:fld id="{9275EF9D-446A-4BA9-9A8F-8795C824CFA3}" type="datetimeFigureOut">
               <a:rPr lang="zh-TW" altLang="en-US" smtClean="0"/>
-              <a:t>2023/6/8</a:t>
+              <a:t>2023/6/9</a:t>
             </a:fld>
             <a:endParaRPr lang="zh-TW" altLang="en-US"/>
           </a:p>
@@ -2546,7 +2546,7 @@
           <a:p>
             <a:fld id="{9275EF9D-446A-4BA9-9A8F-8795C824CFA3}" type="datetimeFigureOut">
               <a:rPr lang="zh-TW" altLang="en-US" smtClean="0"/>
-              <a:t>2023/6/8</a:t>
+              <a:t>2023/6/9</a:t>
             </a:fld>
             <a:endParaRPr lang="zh-TW" altLang="en-US"/>
           </a:p>
@@ -2663,7 +2663,7 @@
           <a:p>
             <a:fld id="{9275EF9D-446A-4BA9-9A8F-8795C824CFA3}" type="datetimeFigureOut">
               <a:rPr lang="zh-TW" altLang="en-US" smtClean="0"/>
-              <a:t>2023/6/8</a:t>
+              <a:t>2023/6/9</a:t>
             </a:fld>
             <a:endParaRPr lang="zh-TW" altLang="en-US"/>
           </a:p>
@@ -2758,7 +2758,7 @@
           <a:p>
             <a:fld id="{9275EF9D-446A-4BA9-9A8F-8795C824CFA3}" type="datetimeFigureOut">
               <a:rPr lang="zh-TW" altLang="en-US" smtClean="0"/>
-              <a:t>2023/6/8</a:t>
+              <a:t>2023/6/9</a:t>
             </a:fld>
             <a:endParaRPr lang="zh-TW" altLang="en-US"/>
           </a:p>
@@ -3033,7 +3033,7 @@
           <a:p>
             <a:fld id="{9275EF9D-446A-4BA9-9A8F-8795C824CFA3}" type="datetimeFigureOut">
               <a:rPr lang="zh-TW" altLang="en-US" smtClean="0"/>
-              <a:t>2023/6/8</a:t>
+              <a:t>2023/6/9</a:t>
             </a:fld>
             <a:endParaRPr lang="zh-TW" altLang="en-US"/>
           </a:p>
@@ -3285,7 +3285,7 @@
           <a:p>
             <a:fld id="{9275EF9D-446A-4BA9-9A8F-8795C824CFA3}" type="datetimeFigureOut">
               <a:rPr lang="zh-TW" altLang="en-US" smtClean="0"/>
-              <a:t>2023/6/8</a:t>
+              <a:t>2023/6/9</a:t>
             </a:fld>
             <a:endParaRPr lang="zh-TW" altLang="en-US"/>
           </a:p>
@@ -3496,7 +3496,7 @@
           <a:p>
             <a:fld id="{9275EF9D-446A-4BA9-9A8F-8795C824CFA3}" type="datetimeFigureOut">
               <a:rPr lang="zh-TW" altLang="en-US" smtClean="0"/>
-              <a:t>2023/6/8</a:t>
+              <a:t>2023/6/9</a:t>
             </a:fld>
             <a:endParaRPr lang="zh-TW" altLang="en-US"/>
           </a:p>
@@ -12620,6 +12620,158 @@
           </a:prstGeom>
         </p:spPr>
       </p:pic>
+      <p:sp>
+        <p:nvSpPr>
+          <p:cNvPr id="4" name="文字方塊 3">
+            <a:extLst>
+              <a:ext uri="{FF2B5EF4-FFF2-40B4-BE49-F238E27FC236}">
+                <a16:creationId xmlns:a16="http://schemas.microsoft.com/office/drawing/2014/main" id="{D3B6E7C3-38CF-4386-8E8B-6D1FF1C5D469}"/>
+              </a:ext>
+            </a:extLst>
+          </p:cNvPr>
+          <p:cNvSpPr txBox="1"/>
+          <p:nvPr/>
+        </p:nvSpPr>
+        <p:spPr>
+          <a:xfrm>
+            <a:off x="8731983" y="3531870"/>
+            <a:ext cx="1047800" cy="276999"/>
+          </a:xfrm>
+          <a:prstGeom prst="rect">
+            <a:avLst/>
+          </a:prstGeom>
+          <a:solidFill>
+            <a:schemeClr val="bg1"/>
+          </a:solidFill>
+        </p:spPr>
+        <p:txBody>
+          <a:bodyPr wrap="square" rtlCol="0" anchor="b">
+            <a:spAutoFit/>
+          </a:bodyPr>
+          <a:lstStyle/>
+          <a:p>
+            <a:pPr algn="ctr"/>
+            <a:r>
+              <a:rPr lang="en-US" sz="1200" dirty="0"/>
+              <a:t>model loss</a:t>
+            </a:r>
+          </a:p>
+        </p:txBody>
+      </p:sp>
+      <p:sp>
+        <p:nvSpPr>
+          <p:cNvPr id="7" name="文字方塊 6">
+            <a:extLst>
+              <a:ext uri="{FF2B5EF4-FFF2-40B4-BE49-F238E27FC236}">
+                <a16:creationId xmlns:a16="http://schemas.microsoft.com/office/drawing/2014/main" id="{F6479C26-FA15-4920-9AE9-001B08943000}"/>
+              </a:ext>
+            </a:extLst>
+          </p:cNvPr>
+          <p:cNvSpPr txBox="1"/>
+          <p:nvPr/>
+        </p:nvSpPr>
+        <p:spPr>
+          <a:xfrm rot="-5400000">
+            <a:off x="6918423" y="4919927"/>
+            <a:ext cx="631920" cy="276999"/>
+          </a:xfrm>
+          <a:prstGeom prst="rect">
+            <a:avLst/>
+          </a:prstGeom>
+          <a:solidFill>
+            <a:schemeClr val="bg1"/>
+          </a:solidFill>
+        </p:spPr>
+        <p:txBody>
+          <a:bodyPr wrap="square" rtlCol="0" anchor="b">
+            <a:spAutoFit/>
+          </a:bodyPr>
+          <a:lstStyle/>
+          <a:p>
+            <a:pPr algn="ctr"/>
+            <a:r>
+              <a:rPr lang="en-US" sz="1200" dirty="0"/>
+              <a:t>loss</a:t>
+            </a:r>
+          </a:p>
+        </p:txBody>
+      </p:sp>
+      <p:sp>
+        <p:nvSpPr>
+          <p:cNvPr id="8" name="文字方塊 7">
+            <a:extLst>
+              <a:ext uri="{FF2B5EF4-FFF2-40B4-BE49-F238E27FC236}">
+                <a16:creationId xmlns:a16="http://schemas.microsoft.com/office/drawing/2014/main" id="{F2CA37D5-1C46-4880-BF74-45250A8EF135}"/>
+              </a:ext>
+            </a:extLst>
+          </p:cNvPr>
+          <p:cNvSpPr txBox="1"/>
+          <p:nvPr/>
+        </p:nvSpPr>
+        <p:spPr>
+          <a:xfrm rot="-5400000">
+            <a:off x="598656" y="4919926"/>
+            <a:ext cx="631920" cy="276999"/>
+          </a:xfrm>
+          <a:prstGeom prst="rect">
+            <a:avLst/>
+          </a:prstGeom>
+          <a:solidFill>
+            <a:schemeClr val="bg1"/>
+          </a:solidFill>
+        </p:spPr>
+        <p:txBody>
+          <a:bodyPr wrap="square" rtlCol="0" anchor="b">
+            <a:spAutoFit/>
+          </a:bodyPr>
+          <a:lstStyle/>
+          <a:p>
+            <a:pPr algn="ctr"/>
+            <a:r>
+              <a:rPr lang="en-US" sz="1200" dirty="0"/>
+              <a:t>acc</a:t>
+            </a:r>
+          </a:p>
+        </p:txBody>
+      </p:sp>
+      <p:sp>
+        <p:nvSpPr>
+          <p:cNvPr id="10" name="文字方塊 9">
+            <a:extLst>
+              <a:ext uri="{FF2B5EF4-FFF2-40B4-BE49-F238E27FC236}">
+                <a16:creationId xmlns:a16="http://schemas.microsoft.com/office/drawing/2014/main" id="{B746C2F7-7F2A-4D29-99C3-4FE321B3DB7D}"/>
+              </a:ext>
+            </a:extLst>
+          </p:cNvPr>
+          <p:cNvSpPr txBox="1"/>
+          <p:nvPr/>
+        </p:nvSpPr>
+        <p:spPr>
+          <a:xfrm>
+            <a:off x="2324857" y="3531870"/>
+            <a:ext cx="1222523" cy="276999"/>
+          </a:xfrm>
+          <a:prstGeom prst="rect">
+            <a:avLst/>
+          </a:prstGeom>
+          <a:solidFill>
+            <a:schemeClr val="bg1"/>
+          </a:solidFill>
+        </p:spPr>
+        <p:txBody>
+          <a:bodyPr wrap="square" rtlCol="0" anchor="b">
+            <a:spAutoFit/>
+          </a:bodyPr>
+          <a:lstStyle/>
+          <a:p>
+            <a:pPr algn="ctr"/>
+            <a:r>
+              <a:rPr lang="en-US" sz="1200" dirty="0"/>
+              <a:t>model accuracy</a:t>
+            </a:r>
+          </a:p>
+        </p:txBody>
+      </p:sp>
     </p:spTree>
     <p:extLst>
       <p:ext uri="{BB962C8B-B14F-4D97-AF65-F5344CB8AC3E}">
@@ -12673,7 +12825,7 @@
           <a:p>
             <a:r>
               <a:rPr lang="en-US" altLang="zh-TW" dirty="0"/>
-              <a:t>Predict Accuracy &amp; Loss</a:t>
+              <a:t>Testing Dataset Accuracy &amp; Loss</a:t>
             </a:r>
             <a:endParaRPr lang="zh-TW" altLang="en-US" dirty="0"/>
           </a:p>
